--- a/자료/sqld/DB_PPT/4장. select_join.pptx
+++ b/자료/sqld/DB_PPT/4장. select_join.pptx
@@ -242,7 +242,7 @@
           <a:p>
             <a:fld id="{7665CDAC-D627-4E87-877A-1B781DD4CADC}" type="datetimeFigureOut">
               <a:rPr lang="ko-KR" altLang="en-US" smtClean="0"/>
-              <a:t>2023-04-09</a:t>
+              <a:t>2023-04-13</a:t>
             </a:fld>
             <a:endParaRPr lang="ko-KR" altLang="en-US"/>
           </a:p>
@@ -1093,7 +1093,7 @@
           <a:p>
             <a:fld id="{E240FE80-3752-4C44-80B8-E31C3450070D}" type="datetime1">
               <a:rPr lang="ko-KR" altLang="en-US" smtClean="0"/>
-              <a:t>2023-04-09</a:t>
+              <a:t>2023-04-13</a:t>
             </a:fld>
             <a:endParaRPr lang="ko-KR" altLang="en-US"/>
           </a:p>
@@ -1271,7 +1271,7 @@
           <a:p>
             <a:fld id="{5FA88D13-428F-4553-BC93-2E91B1DA3F5C}" type="datetime1">
               <a:rPr lang="ko-KR" altLang="en-US" smtClean="0"/>
-              <a:t>2023-04-09</a:t>
+              <a:t>2023-04-13</a:t>
             </a:fld>
             <a:endParaRPr lang="ko-KR" altLang="en-US"/>
           </a:p>
@@ -1443,7 +1443,7 @@
           <a:p>
             <a:fld id="{4E9D4779-FB94-4D0A-9770-16BB460ADD4B}" type="datetime1">
               <a:rPr lang="ko-KR" altLang="en-US" smtClean="0"/>
-              <a:t>2023-04-09</a:t>
+              <a:t>2023-04-13</a:t>
             </a:fld>
             <a:endParaRPr lang="ko-KR" altLang="en-US"/>
           </a:p>
@@ -1688,7 +1688,7 @@
           <a:p>
             <a:fld id="{DD687F0D-089E-4098-8EE9-5721C76E52EC}" type="datetime1">
               <a:rPr lang="ko-KR" altLang="en-US" smtClean="0"/>
-              <a:t>2023-04-09</a:t>
+              <a:t>2023-04-13</a:t>
             </a:fld>
             <a:endParaRPr lang="ko-KR" altLang="en-US"/>
           </a:p>
@@ -1973,7 +1973,7 @@
           <a:p>
             <a:fld id="{09C650FE-E6B2-4D57-AAF6-1B2A37421AAD}" type="datetime1">
               <a:rPr lang="ko-KR" altLang="en-US" smtClean="0"/>
-              <a:t>2023-04-09</a:t>
+              <a:t>2023-04-13</a:t>
             </a:fld>
             <a:endParaRPr lang="ko-KR" altLang="en-US"/>
           </a:p>
@@ -2392,7 +2392,7 @@
           <a:p>
             <a:fld id="{E87F20C2-C949-4E4F-9580-FEE4F2DAC554}" type="datetime1">
               <a:rPr lang="ko-KR" altLang="en-US" smtClean="0"/>
-              <a:t>2023-04-09</a:t>
+              <a:t>2023-04-13</a:t>
             </a:fld>
             <a:endParaRPr lang="ko-KR" altLang="en-US"/>
           </a:p>
@@ -2509,7 +2509,7 @@
           <a:p>
             <a:fld id="{476DBFE0-70CA-4AA9-9C17-F02054822E7E}" type="datetime1">
               <a:rPr lang="ko-KR" altLang="en-US" smtClean="0"/>
-              <a:t>2023-04-09</a:t>
+              <a:t>2023-04-13</a:t>
             </a:fld>
             <a:endParaRPr lang="ko-KR" altLang="en-US"/>
           </a:p>
@@ -2604,7 +2604,7 @@
           <a:p>
             <a:fld id="{6DA84A72-C6AC-45C3-AE5A-9CF6D245353A}" type="datetime1">
               <a:rPr lang="ko-KR" altLang="en-US" smtClean="0"/>
-              <a:t>2023-04-09</a:t>
+              <a:t>2023-04-13</a:t>
             </a:fld>
             <a:endParaRPr lang="ko-KR" altLang="en-US"/>
           </a:p>
@@ -2879,7 +2879,7 @@
           <a:p>
             <a:fld id="{092D9E8D-7616-4FA8-9B12-88059974D499}" type="datetime1">
               <a:rPr lang="ko-KR" altLang="en-US" smtClean="0"/>
-              <a:t>2023-04-09</a:t>
+              <a:t>2023-04-13</a:t>
             </a:fld>
             <a:endParaRPr lang="ko-KR" altLang="en-US"/>
           </a:p>
@@ -3131,7 +3131,7 @@
           <a:p>
             <a:fld id="{79F4C3F6-B4DC-4E51-8609-BCC628ECDBF3}" type="datetime1">
               <a:rPr lang="ko-KR" altLang="en-US" smtClean="0"/>
-              <a:t>2023-04-09</a:t>
+              <a:t>2023-04-13</a:t>
             </a:fld>
             <a:endParaRPr lang="ko-KR" altLang="en-US"/>
           </a:p>
@@ -3310,7 +3310,7 @@
           <a:p>
             <a:fld id="{B2C4C586-F21B-48DD-B591-4B12E73E0749}" type="datetime1">
               <a:rPr lang="ko-KR" altLang="en-US" smtClean="0"/>
-              <a:t>2023-04-09</a:t>
+              <a:t>2023-04-13</a:t>
             </a:fld>
             <a:endParaRPr lang="ko-KR" altLang="en-US"/>
           </a:p>
@@ -3959,10 +3959,10 @@
                 <a:latin typeface="휴먼엑스포" panose="02030504000101010101" pitchFamily="18" charset="-127"/>
                 <a:ea typeface="휴먼엑스포" panose="02030504000101010101" pitchFamily="18" charset="-127"/>
               </a:rPr>
-              <a:t>3</a:t>
-            </a:r>
-            <a:r>
-              <a:rPr lang="ko-KR" altLang="en-US" sz="3200" b="1" dirty="0">
+              <a:t>4</a:t>
+            </a:r>
+            <a:r>
+              <a:rPr lang="ko-KR" altLang="en-US" sz="3200" b="1" dirty="0" smtClean="0">
                 <a:solidFill>
                   <a:srgbClr val="0070C0"/>
                 </a:solidFill>
@@ -3979,7 +3979,27 @@
                 <a:latin typeface="휴먼엑스포" panose="02030504000101010101" pitchFamily="18" charset="-127"/>
                 <a:ea typeface="휴먼엑스포" panose="02030504000101010101" pitchFamily="18" charset="-127"/>
               </a:rPr>
-              <a:t>. SQL – DML</a:t>
+              <a:t>. SQL – </a:t>
+            </a:r>
+            <a:r>
+              <a:rPr lang="en-US" altLang="ko-KR" sz="3200" b="1" dirty="0" smtClean="0">
+                <a:solidFill>
+                  <a:srgbClr val="0070C0"/>
+                </a:solidFill>
+                <a:latin typeface="휴먼엑스포" panose="02030504000101010101" pitchFamily="18" charset="-127"/>
+                <a:ea typeface="휴먼엑스포" panose="02030504000101010101" pitchFamily="18" charset="-127"/>
+              </a:rPr>
+              <a:t>DML, </a:t>
+            </a:r>
+            <a:r>
+              <a:rPr lang="en-US" altLang="ko-KR" sz="3200" b="1" dirty="0" smtClean="0">
+                <a:solidFill>
+                  <a:srgbClr val="0070C0"/>
+                </a:solidFill>
+                <a:latin typeface="휴먼엑스포" panose="02030504000101010101" pitchFamily="18" charset="-127"/>
+                <a:ea typeface="휴먼엑스포" panose="02030504000101010101" pitchFamily="18" charset="-127"/>
+              </a:rPr>
+              <a:t>JOIN</a:t>
             </a:r>
             <a:endParaRPr lang="ko-KR" altLang="en-US" sz="3200" b="1" dirty="0">
               <a:solidFill>
@@ -4037,7 +4057,29 @@
                   </a:schemeClr>
                 </a:solidFill>
               </a:rPr>
-              <a:t> 데이터 베이스 구성요소</a:t>
+              <a:t> </a:t>
+            </a:r>
+            <a:r>
+              <a:rPr lang="en-US" altLang="ko-KR" sz="1800" dirty="0" smtClean="0">
+                <a:solidFill>
+                  <a:schemeClr val="tx1">
+                    <a:lumMod val="65000"/>
+                    <a:lumOff val="35000"/>
+                  </a:schemeClr>
+                </a:solidFill>
+              </a:rPr>
+              <a:t>SQL </a:t>
+            </a:r>
+            <a:r>
+              <a:rPr lang="ko-KR" altLang="en-US" sz="1800" dirty="0" smtClean="0">
+                <a:solidFill>
+                  <a:schemeClr val="tx1">
+                    <a:lumMod val="65000"/>
+                    <a:lumOff val="35000"/>
+                  </a:schemeClr>
+                </a:solidFill>
+              </a:rPr>
+              <a:t>실무</a:t>
             </a:r>
             <a:endParaRPr lang="ko-KR" altLang="en-US" sz="1600" i="1" dirty="0">
               <a:solidFill>
